--- a/lesson24.pptx
+++ b/lesson24.pptx
@@ -5,7 +5,7 @@
     <p:sldMasterId id="2147483648" r:id="rId1"/>
   </p:sldMasterIdLst>
   <p:notesMasterIdLst>
-    <p:notesMasterId r:id="rId37"/>
+    <p:notesMasterId r:id="rId35"/>
   </p:notesMasterIdLst>
   <p:sldIdLst>
     <p:sldId id="376" r:id="rId2"/>
@@ -41,8 +41,6 @@
     <p:sldId id="657" r:id="rId32"/>
     <p:sldId id="658" r:id="rId33"/>
     <p:sldId id="662" r:id="rId34"/>
-    <p:sldId id="660" r:id="rId35"/>
-    <p:sldId id="661" r:id="rId36"/>
   </p:sldIdLst>
   <p:sldSz cx="12192000" cy="6858000"/>
   <p:notesSz cx="6858000" cy="9144000"/>
@@ -814,7 +812,7 @@
   <pc:docChgLst>
     <pc:chgData name="Anatoliy Kigel" userId="7432c6c4687b0a9c" providerId="LiveId" clId="{E8BC7DDF-A0FC-4ADF-9BB4-AC6DBB6A0A13}"/>
     <pc:docChg chg="custSel delSld modSld">
-      <pc:chgData name="Anatoliy Kigel" userId="7432c6c4687b0a9c" providerId="LiveId" clId="{E8BC7DDF-A0FC-4ADF-9BB4-AC6DBB6A0A13}" dt="2021-12-25T08:29:51.497" v="31" actId="47"/>
+      <pc:chgData name="Anatoliy Kigel" userId="7432c6c4687b0a9c" providerId="LiveId" clId="{E8BC7DDF-A0FC-4ADF-9BB4-AC6DBB6A0A13}" dt="2021-12-29T17:59:41.956" v="39" actId="47"/>
       <pc:docMkLst>
         <pc:docMk/>
       </pc:docMkLst>
@@ -885,6 +883,43 @@
             <pc:docMk/>
             <pc:sldMk cId="1529336038" sldId="513"/>
             <ac:spMk id="10" creationId="{00000000-0000-0000-0000-000000000000}"/>
+          </ac:spMkLst>
+        </pc:spChg>
+      </pc:sldChg>
+      <pc:sldChg chg="del">
+        <pc:chgData name="Anatoliy Kigel" userId="7432c6c4687b0a9c" providerId="LiveId" clId="{E8BC7DDF-A0FC-4ADF-9BB4-AC6DBB6A0A13}" dt="2021-12-29T17:59:41.956" v="39" actId="47"/>
+        <pc:sldMkLst>
+          <pc:docMk/>
+          <pc:sldMk cId="2738311051" sldId="660"/>
+        </pc:sldMkLst>
+      </pc:sldChg>
+      <pc:sldChg chg="del">
+        <pc:chgData name="Anatoliy Kigel" userId="7432c6c4687b0a9c" providerId="LiveId" clId="{E8BC7DDF-A0FC-4ADF-9BB4-AC6DBB6A0A13}" dt="2021-12-29T17:59:41.956" v="39" actId="47"/>
+        <pc:sldMkLst>
+          <pc:docMk/>
+          <pc:sldMk cId="1730842669" sldId="661"/>
+        </pc:sldMkLst>
+      </pc:sldChg>
+      <pc:sldChg chg="modSp mod">
+        <pc:chgData name="Anatoliy Kigel" userId="7432c6c4687b0a9c" providerId="LiveId" clId="{E8BC7DDF-A0FC-4ADF-9BB4-AC6DBB6A0A13}" dt="2021-12-29T17:59:18.215" v="38" actId="1036"/>
+        <pc:sldMkLst>
+          <pc:docMk/>
+          <pc:sldMk cId="1990560439" sldId="664"/>
+        </pc:sldMkLst>
+        <pc:spChg chg="mod">
+          <ac:chgData name="Anatoliy Kigel" userId="7432c6c4687b0a9c" providerId="LiveId" clId="{E8BC7DDF-A0FC-4ADF-9BB4-AC6DBB6A0A13}" dt="2021-12-29T17:59:18.215" v="38" actId="1036"/>
+          <ac:spMkLst>
+            <pc:docMk/>
+            <pc:sldMk cId="1990560439" sldId="664"/>
+            <ac:spMk id="2" creationId="{D68AC072-0CBB-4EF5-86D7-F45B48126E9D}"/>
+          </ac:spMkLst>
+        </pc:spChg>
+        <pc:spChg chg="mod">
+          <ac:chgData name="Anatoliy Kigel" userId="7432c6c4687b0a9c" providerId="LiveId" clId="{E8BC7DDF-A0FC-4ADF-9BB4-AC6DBB6A0A13}" dt="2021-12-29T17:59:16.512" v="35" actId="1035"/>
+          <ac:spMkLst>
+            <pc:docMk/>
+            <pc:sldMk cId="1990560439" sldId="664"/>
+            <ac:spMk id="8" creationId="{00000000-0000-0000-0000-000000000000}"/>
           </ac:spMkLst>
         </pc:spChg>
       </pc:sldChg>
@@ -1137,7 +1172,7 @@
             <a:fld id="{85522811-C5C6-42D2-A409-F8556720C93F}" type="datetimeFigureOut">
               <a:rPr lang="uk-UA" smtClean="0"/>
               <a:pPr/>
-              <a:t>25.12.2021</a:t>
+              <a:t>29.12.2021</a:t>
             </a:fld>
             <a:endParaRPr lang="uk-UA" dirty="0"/>
           </a:p>
@@ -1682,7 +1717,7 @@
             <a:fld id="{0A2E6AC4-C3FE-4E70-88D1-136405B25267}" type="datetime1">
               <a:rPr lang="uk-UA" smtClean="0"/>
               <a:pPr/>
-              <a:t>25.12.2021</a:t>
+              <a:t>29.12.2021</a:t>
             </a:fld>
             <a:endParaRPr lang="uk-UA" dirty="0"/>
           </a:p>
@@ -1849,7 +1884,7 @@
             <a:fld id="{B4D85949-5AE9-41F1-B18C-DA1006B0E8CC}" type="datetime1">
               <a:rPr lang="uk-UA" smtClean="0"/>
               <a:pPr/>
-              <a:t>25.12.2021</a:t>
+              <a:t>29.12.2021</a:t>
             </a:fld>
             <a:endParaRPr lang="uk-UA" dirty="0"/>
           </a:p>
@@ -2026,7 +2061,7 @@
             <a:fld id="{B20C227C-94C5-4BA1-A89C-1C7570144B22}" type="datetime1">
               <a:rPr lang="uk-UA" smtClean="0"/>
               <a:pPr/>
-              <a:t>25.12.2021</a:t>
+              <a:t>29.12.2021</a:t>
             </a:fld>
             <a:endParaRPr lang="uk-UA" dirty="0"/>
           </a:p>
@@ -2193,7 +2228,7 @@
             <a:fld id="{68E2E168-B245-4D8D-8538-B29990DBF87B}" type="datetime1">
               <a:rPr lang="uk-UA" smtClean="0"/>
               <a:pPr/>
-              <a:t>25.12.2021</a:t>
+              <a:t>29.12.2021</a:t>
             </a:fld>
             <a:endParaRPr lang="uk-UA" dirty="0"/>
           </a:p>
@@ -2436,7 +2471,7 @@
             <a:fld id="{356DAF6E-7007-4E61-B36E-794BF232B234}" type="datetime1">
               <a:rPr lang="uk-UA" smtClean="0"/>
               <a:pPr/>
-              <a:t>25.12.2021</a:t>
+              <a:t>29.12.2021</a:t>
             </a:fld>
             <a:endParaRPr lang="uk-UA" dirty="0"/>
           </a:p>
@@ -2721,7 +2756,7 @@
             <a:fld id="{4B2141DD-FE72-44AA-B946-B70892F1F5B7}" type="datetime1">
               <a:rPr lang="uk-UA" smtClean="0"/>
               <a:pPr/>
-              <a:t>25.12.2021</a:t>
+              <a:t>29.12.2021</a:t>
             </a:fld>
             <a:endParaRPr lang="uk-UA" dirty="0"/>
           </a:p>
@@ -3140,7 +3175,7 @@
             <a:fld id="{D1C4DC7C-6CC4-4D1F-A21B-A650800E0532}" type="datetime1">
               <a:rPr lang="uk-UA" smtClean="0"/>
               <a:pPr/>
-              <a:t>25.12.2021</a:t>
+              <a:t>29.12.2021</a:t>
             </a:fld>
             <a:endParaRPr lang="uk-UA" dirty="0"/>
           </a:p>
@@ -3255,7 +3290,7 @@
             <a:fld id="{09E753FA-BE70-4E9D-A1A2-A798C2E22C2C}" type="datetime1">
               <a:rPr lang="uk-UA" smtClean="0"/>
               <a:pPr/>
-              <a:t>25.12.2021</a:t>
+              <a:t>29.12.2021</a:t>
             </a:fld>
             <a:endParaRPr lang="uk-UA" dirty="0"/>
           </a:p>
@@ -3347,7 +3382,7 @@
             <a:fld id="{BC4E9D1B-A194-48C6-B5A1-4C29D0F81227}" type="datetime1">
               <a:rPr lang="uk-UA" smtClean="0"/>
               <a:pPr/>
-              <a:t>25.12.2021</a:t>
+              <a:t>29.12.2021</a:t>
             </a:fld>
             <a:endParaRPr lang="uk-UA" dirty="0"/>
           </a:p>
@@ -3621,7 +3656,7 @@
             <a:fld id="{98DC5B78-3AEE-4E8C-84A2-DF8B252C6B7D}" type="datetime1">
               <a:rPr lang="uk-UA" smtClean="0"/>
               <a:pPr/>
-              <a:t>25.12.2021</a:t>
+              <a:t>29.12.2021</a:t>
             </a:fld>
             <a:endParaRPr lang="uk-UA" dirty="0"/>
           </a:p>
@@ -3871,7 +3906,7 @@
             <a:fld id="{08E6AC05-7690-4D29-B090-15CFA8055B58}" type="datetime1">
               <a:rPr lang="uk-UA" smtClean="0"/>
               <a:pPr/>
-              <a:t>25.12.2021</a:t>
+              <a:t>29.12.2021</a:t>
             </a:fld>
             <a:endParaRPr lang="uk-UA" dirty="0"/>
           </a:p>
@@ -4081,7 +4116,7 @@
             <a:fld id="{C4778AB5-85A2-4D58-9351-A198925B541D}" type="datetime1">
               <a:rPr lang="uk-UA" smtClean="0"/>
               <a:pPr/>
-              <a:t>25.12.2021</a:t>
+              <a:t>29.12.2021</a:t>
             </a:fld>
             <a:endParaRPr lang="uk-UA" dirty="0"/>
           </a:p>
@@ -5697,7 +5732,7 @@
         </p:nvSpPr>
         <p:spPr>
           <a:xfrm>
-            <a:off x="18011" y="3411870"/>
+            <a:off x="18011" y="3212976"/>
             <a:ext cx="12192000" cy="1015663"/>
           </a:xfrm>
           <a:prstGeom prst="rect">
@@ -5718,7 +5753,7 @@
                   <a:srgbClr val="00B0F0"/>
                 </a:solidFill>
               </a:rPr>
-              <a:t>Каковы его </a:t>
+              <a:t>Каковы </a:t>
             </a:r>
             <a:r>
               <a:rPr lang="ru-RU" sz="6000" b="1" u="sng" dirty="0">
@@ -5987,7 +6022,7 @@
         </p:nvSpPr>
         <p:spPr>
           <a:xfrm rot="5400000">
-            <a:off x="5859028" y="-392278"/>
+            <a:off x="5859028" y="-459433"/>
             <a:ext cx="432048" cy="10225136"/>
           </a:xfrm>
           <a:prstGeom prst="rightBrace">
@@ -12763,321 +12798,6 @@
     <p:extLst>
       <p:ext uri="{BB962C8B-B14F-4D97-AF65-F5344CB8AC3E}">
         <p14:creationId xmlns:p14="http://schemas.microsoft.com/office/powerpoint/2010/main" val="2091957549"/>
-      </p:ext>
-    </p:extLst>
-  </p:cSld>
-  <p:clrMapOvr>
-    <a:masterClrMapping/>
-  </p:clrMapOvr>
-</p:sld>
-</file>
-
-<file path=ppt/slides/slide34.xml><?xml version="1.0" encoding="utf-8"?>
-<p:sld xmlns:a="http://schemas.openxmlformats.org/drawingml/2006/main" xmlns:r="http://schemas.openxmlformats.org/officeDocument/2006/relationships" xmlns:p="http://schemas.openxmlformats.org/presentationml/2006/main">
-  <p:cSld>
-    <p:spTree>
-      <p:nvGrpSpPr>
-        <p:cNvPr id="1" name=""/>
-        <p:cNvGrpSpPr/>
-        <p:nvPr/>
-      </p:nvGrpSpPr>
-      <p:grpSpPr>
-        <a:xfrm>
-          <a:off x="0" y="0"/>
-          <a:ext cx="0" cy="0"/>
-          <a:chOff x="0" y="0"/>
-          <a:chExt cx="0" cy="0"/>
-        </a:xfrm>
-      </p:grpSpPr>
-      <p:sp>
-        <p:nvSpPr>
-          <p:cNvPr id="3" name="Прямоугольник 2"/>
-          <p:cNvSpPr/>
-          <p:nvPr/>
-        </p:nvSpPr>
-        <p:spPr>
-          <a:xfrm>
-            <a:off x="0" y="0"/>
-            <a:ext cx="12192000" cy="6858000"/>
-          </a:xfrm>
-          <a:prstGeom prst="rect">
-            <a:avLst/>
-          </a:prstGeom>
-          <a:solidFill>
-            <a:schemeClr val="tx2">
-              <a:lumMod val="75000"/>
-            </a:schemeClr>
-          </a:solidFill>
-        </p:spPr>
-        <p:style>
-          <a:lnRef idx="2">
-            <a:schemeClr val="accent1">
-              <a:shade val="50000"/>
-            </a:schemeClr>
-          </a:lnRef>
-          <a:fillRef idx="1">
-            <a:schemeClr val="accent1"/>
-          </a:fillRef>
-          <a:effectRef idx="0">
-            <a:schemeClr val="accent1"/>
-          </a:effectRef>
-          <a:fontRef idx="minor">
-            <a:schemeClr val="lt1"/>
-          </a:fontRef>
-        </p:style>
-        <p:txBody>
-          <a:bodyPr rtlCol="0" anchor="ctr"/>
-          <a:lstStyle/>
-          <a:p>
-            <a:pPr algn="ctr"/>
-            <a:endParaRPr lang="uk-UA"/>
-          </a:p>
-        </p:txBody>
-      </p:sp>
-      <p:sp>
-        <p:nvSpPr>
-          <p:cNvPr id="4" name="TextBox 3"/>
-          <p:cNvSpPr txBox="1"/>
-          <p:nvPr/>
-        </p:nvSpPr>
-        <p:spPr>
-          <a:xfrm>
-            <a:off x="0" y="2649686"/>
-            <a:ext cx="12192000" cy="1323439"/>
-          </a:xfrm>
-          <a:prstGeom prst="rect">
-            <a:avLst/>
-          </a:prstGeom>
-          <a:noFill/>
-        </p:spPr>
-        <p:txBody>
-          <a:bodyPr wrap="square" rtlCol="0">
-            <a:spAutoFit/>
-          </a:bodyPr>
-          <a:lstStyle/>
-          <a:p>
-            <a:pPr algn="ctr"/>
-            <a:r>
-              <a:rPr lang="en-US" sz="8000" b="1" dirty="0">
-                <a:solidFill>
-                  <a:schemeClr val="bg1"/>
-                </a:solidFill>
-              </a:rPr>
-              <a:t>One </a:t>
-            </a:r>
-            <a:r>
-              <a:rPr lang="en-US" sz="8000" b="1" dirty="0">
-                <a:solidFill>
-                  <a:srgbClr val="FFFF00"/>
-                </a:solidFill>
-              </a:rPr>
-              <a:t>more</a:t>
-            </a:r>
-            <a:r>
-              <a:rPr lang="en-US" sz="8000" b="1" dirty="0">
-                <a:solidFill>
-                  <a:schemeClr val="bg1"/>
-                </a:solidFill>
-              </a:rPr>
-              <a:t> thing…</a:t>
-            </a:r>
-            <a:endParaRPr lang="uk-UA" sz="8000" b="1" dirty="0">
-              <a:solidFill>
-                <a:schemeClr val="bg1"/>
-              </a:solidFill>
-            </a:endParaRPr>
-          </a:p>
-        </p:txBody>
-      </p:sp>
-    </p:spTree>
-    <p:extLst>
-      <p:ext uri="{BB962C8B-B14F-4D97-AF65-F5344CB8AC3E}">
-        <p14:creationId xmlns:p14="http://schemas.microsoft.com/office/powerpoint/2010/main" val="2738311051"/>
-      </p:ext>
-    </p:extLst>
-  </p:cSld>
-  <p:clrMapOvr>
-    <a:masterClrMapping/>
-  </p:clrMapOvr>
-</p:sld>
-</file>
-
-<file path=ppt/slides/slide35.xml><?xml version="1.0" encoding="utf-8"?>
-<p:sld xmlns:a="http://schemas.openxmlformats.org/drawingml/2006/main" xmlns:r="http://schemas.openxmlformats.org/officeDocument/2006/relationships" xmlns:p="http://schemas.openxmlformats.org/presentationml/2006/main">
-  <p:cSld>
-    <p:spTree>
-      <p:nvGrpSpPr>
-        <p:cNvPr id="1" name=""/>
-        <p:cNvGrpSpPr/>
-        <p:nvPr/>
-      </p:nvGrpSpPr>
-      <p:grpSpPr>
-        <a:xfrm>
-          <a:off x="0" y="0"/>
-          <a:ext cx="0" cy="0"/>
-          <a:chOff x="0" y="0"/>
-          <a:chExt cx="0" cy="0"/>
-        </a:xfrm>
-      </p:grpSpPr>
-      <p:sp>
-        <p:nvSpPr>
-          <p:cNvPr id="5" name="TextBox 4"/>
-          <p:cNvSpPr txBox="1"/>
-          <p:nvPr/>
-        </p:nvSpPr>
-        <p:spPr>
-          <a:xfrm>
-            <a:off x="5125367" y="1990581"/>
-            <a:ext cx="6805308" cy="646331"/>
-          </a:xfrm>
-          <a:prstGeom prst="rect">
-            <a:avLst/>
-          </a:prstGeom>
-          <a:noFill/>
-        </p:spPr>
-        <p:txBody>
-          <a:bodyPr wrap="square" rtlCol="0">
-            <a:spAutoFit/>
-          </a:bodyPr>
-          <a:lstStyle/>
-          <a:p>
-            <a:pPr algn="ctr"/>
-            <a:r>
-              <a:rPr lang="ru-RU" sz="3600" b="1" dirty="0"/>
-              <a:t>Оставьте своё мнение о курсе</a:t>
-            </a:r>
-            <a:endParaRPr lang="uk-UA" sz="3600" b="1" dirty="0"/>
-          </a:p>
-        </p:txBody>
-      </p:sp>
-      <p:sp>
-        <p:nvSpPr>
-          <p:cNvPr id="4" name="Скругленный прямоугольник 3"/>
-          <p:cNvSpPr/>
-          <p:nvPr/>
-        </p:nvSpPr>
-        <p:spPr>
-          <a:xfrm>
-            <a:off x="5396034" y="3013792"/>
-            <a:ext cx="6263974" cy="720080"/>
-          </a:xfrm>
-          <a:prstGeom prst="roundRect">
-            <a:avLst/>
-          </a:prstGeom>
-          <a:solidFill>
-            <a:schemeClr val="bg1"/>
-          </a:solidFill>
-          <a:ln>
-            <a:solidFill>
-              <a:schemeClr val="accent3"/>
-            </a:solidFill>
-          </a:ln>
-        </p:spPr>
-        <p:style>
-          <a:lnRef idx="2">
-            <a:schemeClr val="accent1">
-              <a:shade val="50000"/>
-            </a:schemeClr>
-          </a:lnRef>
-          <a:fillRef idx="1">
-            <a:schemeClr val="accent1"/>
-          </a:fillRef>
-          <a:effectRef idx="0">
-            <a:schemeClr val="accent1"/>
-          </a:effectRef>
-          <a:fontRef idx="minor">
-            <a:schemeClr val="lt1"/>
-          </a:fontRef>
-        </p:style>
-        <p:txBody>
-          <a:bodyPr rtlCol="0" anchor="ctr"/>
-          <a:lstStyle/>
-          <a:p>
-            <a:pPr algn="ctr"/>
-            <a:r>
-              <a:rPr lang="en-US" sz="2800" b="1" dirty="0">
-                <a:solidFill>
-                  <a:srgbClr val="00B050"/>
-                </a:solidFill>
-                <a:hlinkClick r:id="rId2"/>
-              </a:rPr>
-              <a:t>https://forms.gle/jjwqeo5KXs8RazfG7</a:t>
-            </a:r>
-            <a:endParaRPr lang="en-US" sz="2800" b="1" dirty="0">
-              <a:solidFill>
-                <a:srgbClr val="00B050"/>
-              </a:solidFill>
-            </a:endParaRPr>
-          </a:p>
-        </p:txBody>
-      </p:sp>
-      <p:pic>
-        <p:nvPicPr>
-          <p:cNvPr id="3" name="Рисунок 2"/>
-          <p:cNvPicPr>
-            <a:picLocks noChangeAspect="1"/>
-          </p:cNvPicPr>
-          <p:nvPr/>
-        </p:nvPicPr>
-        <p:blipFill>
-          <a:blip r:embed="rId3"/>
-          <a:stretch>
-            <a:fillRect/>
-          </a:stretch>
-        </p:blipFill>
-        <p:spPr>
-          <a:xfrm>
-            <a:off x="0" y="-1"/>
-            <a:ext cx="4757770" cy="6858001"/>
-          </a:xfrm>
-          <a:prstGeom prst="rect">
-            <a:avLst/>
-          </a:prstGeom>
-          <a:ln>
-            <a:noFill/>
-          </a:ln>
-          <a:effectLst>
-            <a:outerShdw blurRad="190500" algn="tl" rotWithShape="0">
-              <a:srgbClr val="000000">
-                <a:alpha val="70000"/>
-              </a:srgbClr>
-            </a:outerShdw>
-          </a:effectLst>
-        </p:spPr>
-      </p:pic>
-      <p:sp>
-        <p:nvSpPr>
-          <p:cNvPr id="6" name="TextBox 5"/>
-          <p:cNvSpPr txBox="1"/>
-          <p:nvPr/>
-        </p:nvSpPr>
-        <p:spPr>
-          <a:xfrm>
-            <a:off x="5051332" y="4110752"/>
-            <a:ext cx="6953378" cy="646331"/>
-          </a:xfrm>
-          <a:prstGeom prst="rect">
-            <a:avLst/>
-          </a:prstGeom>
-          <a:noFill/>
-        </p:spPr>
-        <p:txBody>
-          <a:bodyPr wrap="none" rtlCol="0">
-            <a:spAutoFit/>
-          </a:bodyPr>
-          <a:lstStyle/>
-          <a:p>
-            <a:r>
-              <a:rPr lang="ru-RU" sz="3600" b="1" dirty="0"/>
-              <a:t>Это поможет сделать курс лучше!</a:t>
-            </a:r>
-          </a:p>
-        </p:txBody>
-      </p:sp>
-    </p:spTree>
-    <p:extLst>
-      <p:ext uri="{BB962C8B-B14F-4D97-AF65-F5344CB8AC3E}">
-        <p14:creationId xmlns:p14="http://schemas.microsoft.com/office/powerpoint/2010/main" val="1730842669"/>
       </p:ext>
     </p:extLst>
   </p:cSld>
